--- a/Python_2_20170927.pptx
+++ b/Python_2_20170927.pptx
@@ -9,6 +9,7 @@
     <p:sldId id="258" r:id="rId3"/>
     <p:sldId id="257" r:id="rId4"/>
     <p:sldId id="259" r:id="rId5"/>
+    <p:sldId id="260" r:id="rId6"/>
   </p:sldIdLst>
   <p:sldSz cx="12192000" cy="6858000"/>
   <p:notesSz cx="6858000" cy="9144000"/>
@@ -246,7 +247,7 @@
           <a:p>
             <a:fld id="{D590F86B-B0B4-4D57-AB4B-A3C142A2B6B7}" type="datetimeFigureOut">
               <a:rPr lang="zh-TW" altLang="en-US" smtClean="0"/>
-              <a:t>2017/9/27</a:t>
+              <a:t>2017/9/28</a:t>
             </a:fld>
             <a:endParaRPr lang="zh-TW" altLang="en-US"/>
           </a:p>
@@ -416,7 +417,7 @@
           <a:p>
             <a:fld id="{D590F86B-B0B4-4D57-AB4B-A3C142A2B6B7}" type="datetimeFigureOut">
               <a:rPr lang="zh-TW" altLang="en-US" smtClean="0"/>
-              <a:t>2017/9/27</a:t>
+              <a:t>2017/9/28</a:t>
             </a:fld>
             <a:endParaRPr lang="zh-TW" altLang="en-US"/>
           </a:p>
@@ -596,7 +597,7 @@
           <a:p>
             <a:fld id="{D590F86B-B0B4-4D57-AB4B-A3C142A2B6B7}" type="datetimeFigureOut">
               <a:rPr lang="zh-TW" altLang="en-US" smtClean="0"/>
-              <a:t>2017/9/27</a:t>
+              <a:t>2017/9/28</a:t>
             </a:fld>
             <a:endParaRPr lang="zh-TW" altLang="en-US"/>
           </a:p>
@@ -766,7 +767,7 @@
           <a:p>
             <a:fld id="{D590F86B-B0B4-4D57-AB4B-A3C142A2B6B7}" type="datetimeFigureOut">
               <a:rPr lang="zh-TW" altLang="en-US" smtClean="0"/>
-              <a:t>2017/9/27</a:t>
+              <a:t>2017/9/28</a:t>
             </a:fld>
             <a:endParaRPr lang="zh-TW" altLang="en-US"/>
           </a:p>
@@ -1012,7 +1013,7 @@
           <a:p>
             <a:fld id="{D590F86B-B0B4-4D57-AB4B-A3C142A2B6B7}" type="datetimeFigureOut">
               <a:rPr lang="zh-TW" altLang="en-US" smtClean="0"/>
-              <a:t>2017/9/27</a:t>
+              <a:t>2017/9/28</a:t>
             </a:fld>
             <a:endParaRPr lang="zh-TW" altLang="en-US"/>
           </a:p>
@@ -1244,7 +1245,7 @@
           <a:p>
             <a:fld id="{D590F86B-B0B4-4D57-AB4B-A3C142A2B6B7}" type="datetimeFigureOut">
               <a:rPr lang="zh-TW" altLang="en-US" smtClean="0"/>
-              <a:t>2017/9/27</a:t>
+              <a:t>2017/9/28</a:t>
             </a:fld>
             <a:endParaRPr lang="zh-TW" altLang="en-US"/>
           </a:p>
@@ -1611,7 +1612,7 @@
           <a:p>
             <a:fld id="{D590F86B-B0B4-4D57-AB4B-A3C142A2B6B7}" type="datetimeFigureOut">
               <a:rPr lang="zh-TW" altLang="en-US" smtClean="0"/>
-              <a:t>2017/9/27</a:t>
+              <a:t>2017/9/28</a:t>
             </a:fld>
             <a:endParaRPr lang="zh-TW" altLang="en-US"/>
           </a:p>
@@ -1729,7 +1730,7 @@
           <a:p>
             <a:fld id="{D590F86B-B0B4-4D57-AB4B-A3C142A2B6B7}" type="datetimeFigureOut">
               <a:rPr lang="zh-TW" altLang="en-US" smtClean="0"/>
-              <a:t>2017/9/27</a:t>
+              <a:t>2017/9/28</a:t>
             </a:fld>
             <a:endParaRPr lang="zh-TW" altLang="en-US"/>
           </a:p>
@@ -1824,7 +1825,7 @@
           <a:p>
             <a:fld id="{D590F86B-B0B4-4D57-AB4B-A3C142A2B6B7}" type="datetimeFigureOut">
               <a:rPr lang="zh-TW" altLang="en-US" smtClean="0"/>
-              <a:t>2017/9/27</a:t>
+              <a:t>2017/9/28</a:t>
             </a:fld>
             <a:endParaRPr lang="zh-TW" altLang="en-US"/>
           </a:p>
@@ -2101,7 +2102,7 @@
           <a:p>
             <a:fld id="{D590F86B-B0B4-4D57-AB4B-A3C142A2B6B7}" type="datetimeFigureOut">
               <a:rPr lang="zh-TW" altLang="en-US" smtClean="0"/>
-              <a:t>2017/9/27</a:t>
+              <a:t>2017/9/28</a:t>
             </a:fld>
             <a:endParaRPr lang="zh-TW" altLang="en-US"/>
           </a:p>
@@ -2354,7 +2355,7 @@
           <a:p>
             <a:fld id="{D590F86B-B0B4-4D57-AB4B-A3C142A2B6B7}" type="datetimeFigureOut">
               <a:rPr lang="zh-TW" altLang="en-US" smtClean="0"/>
-              <a:t>2017/9/27</a:t>
+              <a:t>2017/9/28</a:t>
             </a:fld>
             <a:endParaRPr lang="zh-TW" altLang="en-US"/>
           </a:p>
@@ -2567,7 +2568,7 @@
           <a:p>
             <a:fld id="{D590F86B-B0B4-4D57-AB4B-A3C142A2B6B7}" type="datetimeFigureOut">
               <a:rPr lang="zh-TW" altLang="en-US" smtClean="0"/>
-              <a:t>2017/9/27</a:t>
+              <a:t>2017/9/28</a:t>
             </a:fld>
             <a:endParaRPr lang="zh-TW" altLang="en-US"/>
           </a:p>
@@ -3328,7 +3329,6 @@
               <a:rPr lang="en-US" altLang="zh-TW" dirty="0" smtClean="0"/>
               <a:t>bool: “is” vs “==“</a:t>
             </a:r>
-            <a:endParaRPr lang="en-US" altLang="zh-TW" dirty="0" smtClean="0"/>
           </a:p>
           <a:p>
             <a:r>
@@ -3347,7 +3347,6 @@
               <a:rPr lang="en-US" altLang="zh-TW" dirty="0" smtClean="0"/>
               <a:t>)</a:t>
             </a:r>
-            <a:endParaRPr lang="en-US" altLang="zh-TW" dirty="0" smtClean="0"/>
           </a:p>
           <a:p>
             <a:r>
@@ -3362,7 +3361,6 @@
               <a:rPr lang="en-US" altLang="zh-TW" dirty="0" smtClean="0"/>
               <a:t>announcement, append, pop, index slicing, extend, sorted, index, count, set, copy, iteration, enumerate</a:t>
             </a:r>
-            <a:endParaRPr lang="en-US" altLang="zh-TW" dirty="0" smtClean="0"/>
           </a:p>
           <a:p>
             <a:r>
@@ -3377,7 +3375,6 @@
               <a:rPr lang="en-US" altLang="zh-TW" dirty="0" smtClean="0"/>
               <a:t>announcement, call(index, get), pop, iteration, sorted, Counter </a:t>
             </a:r>
-            <a:endParaRPr lang="en-US" altLang="zh-TW" dirty="0" smtClean="0"/>
           </a:p>
           <a:p>
             <a:r>
@@ -3487,7 +3484,7 @@
           <a:bodyPr/>
           <a:lstStyle/>
           <a:p>
-            <a:endParaRPr lang="zh-TW" altLang="en-US"/>
+            <a:endParaRPr lang="zh-TW" altLang="en-US" dirty="0"/>
           </a:p>
         </p:txBody>
       </p:sp>
@@ -3495,6 +3492,168 @@
     <p:extLst>
       <p:ext uri="{BB962C8B-B14F-4D97-AF65-F5344CB8AC3E}">
         <p14:creationId xmlns:p14="http://schemas.microsoft.com/office/powerpoint/2010/main" val="2290799959"/>
+      </p:ext>
+    </p:extLst>
+  </p:cSld>
+  <p:clrMapOvr>
+    <a:masterClrMapping/>
+  </p:clrMapOvr>
+</p:sld>
+</file>
+
+<file path=ppt/slides/slide5.xml><?xml version="1.0" encoding="utf-8"?>
+<p:sld xmlns:a="http://schemas.openxmlformats.org/drawingml/2006/main" xmlns:r="http://schemas.openxmlformats.org/officeDocument/2006/relationships" xmlns:p="http://schemas.openxmlformats.org/presentationml/2006/main">
+  <p:cSld>
+    <p:spTree>
+      <p:nvGrpSpPr>
+        <p:cNvPr id="1" name=""/>
+        <p:cNvGrpSpPr/>
+        <p:nvPr/>
+      </p:nvGrpSpPr>
+      <p:grpSpPr>
+        <a:xfrm>
+          <a:off x="0" y="0"/>
+          <a:ext cx="0" cy="0"/>
+          <a:chOff x="0" y="0"/>
+          <a:chExt cx="0" cy="0"/>
+        </a:xfrm>
+      </p:grpSpPr>
+      <p:sp>
+        <p:nvSpPr>
+          <p:cNvPr id="2" name="標題 1"/>
+          <p:cNvSpPr>
+            <a:spLocks noGrp="1"/>
+          </p:cNvSpPr>
+          <p:nvPr>
+            <p:ph type="title"/>
+          </p:nvPr>
+        </p:nvSpPr>
+        <p:spPr/>
+        <p:txBody>
+          <a:bodyPr/>
+          <a:lstStyle/>
+          <a:p>
+            <a:r>
+              <a:rPr lang="en-US" altLang="zh-TW" dirty="0" smtClean="0"/>
+              <a:t>Terminal File Operation</a:t>
+            </a:r>
+            <a:endParaRPr lang="zh-TW" altLang="en-US" dirty="0"/>
+          </a:p>
+        </p:txBody>
+      </p:sp>
+      <p:sp>
+        <p:nvSpPr>
+          <p:cNvPr id="3" name="內容版面配置區 2"/>
+          <p:cNvSpPr>
+            <a:spLocks noGrp="1"/>
+          </p:cNvSpPr>
+          <p:nvPr>
+            <p:ph idx="1"/>
+          </p:nvPr>
+        </p:nvSpPr>
+        <p:spPr/>
+        <p:txBody>
+          <a:bodyPr/>
+          <a:lstStyle/>
+          <a:p>
+            <a:r>
+              <a:rPr lang="en-US" altLang="zh-TW" dirty="0" err="1" smtClean="0"/>
+              <a:t>rm</a:t>
+            </a:r>
+            <a:r>
+              <a:rPr lang="en-US" altLang="zh-TW" dirty="0" smtClean="0"/>
+              <a:t> –</a:t>
+            </a:r>
+            <a:r>
+              <a:rPr lang="en-US" altLang="zh-TW" dirty="0" err="1" smtClean="0"/>
+              <a:t>rf</a:t>
+            </a:r>
+            <a:r>
+              <a:rPr lang="en-US" altLang="zh-TW" dirty="0" smtClean="0"/>
+              <a:t> &lt;</a:t>
+            </a:r>
+            <a:r>
+              <a:rPr lang="en-US" altLang="zh-TW" dirty="0" err="1" smtClean="0"/>
+              <a:t>file_name</a:t>
+            </a:r>
+            <a:r>
+              <a:rPr lang="en-US" altLang="zh-TW" dirty="0" smtClean="0"/>
+              <a:t>&gt;: delete</a:t>
+            </a:r>
+          </a:p>
+          <a:p>
+            <a:r>
+              <a:rPr lang="en-US" altLang="zh-TW" dirty="0" err="1" smtClean="0"/>
+              <a:t>cp</a:t>
+            </a:r>
+            <a:r>
+              <a:rPr lang="en-US" altLang="zh-TW" dirty="0" smtClean="0"/>
+              <a:t> &lt;</a:t>
+            </a:r>
+            <a:r>
+              <a:rPr lang="en-US" altLang="zh-TW" dirty="0" err="1" smtClean="0"/>
+              <a:t>original_file_name</a:t>
+            </a:r>
+            <a:r>
+              <a:rPr lang="en-US" altLang="zh-TW" dirty="0" smtClean="0"/>
+              <a:t>&gt; &lt;</a:t>
+            </a:r>
+            <a:r>
+              <a:rPr lang="en-US" altLang="zh-TW" dirty="0" err="1" smtClean="0"/>
+              <a:t>target_file_name</a:t>
+            </a:r>
+            <a:r>
+              <a:rPr lang="en-US" altLang="zh-TW" dirty="0" smtClean="0"/>
+              <a:t>&gt;: copy</a:t>
+            </a:r>
+          </a:p>
+          <a:p>
+            <a:r>
+              <a:rPr lang="en-US" altLang="zh-TW" dirty="0" err="1" smtClean="0"/>
+              <a:t>mkdir</a:t>
+            </a:r>
+            <a:r>
+              <a:rPr lang="en-US" altLang="zh-TW" dirty="0" smtClean="0"/>
+              <a:t> &lt;</a:t>
+            </a:r>
+            <a:r>
+              <a:rPr lang="en-US" altLang="zh-TW" dirty="0" err="1" smtClean="0"/>
+              <a:t>directory_name</a:t>
+            </a:r>
+            <a:r>
+              <a:rPr lang="en-US" altLang="zh-TW" dirty="0" smtClean="0"/>
+              <a:t>&gt;: make directory(</a:t>
+            </a:r>
+            <a:r>
+              <a:rPr lang="zh-TW" altLang="en-US" dirty="0" smtClean="0"/>
+              <a:t>文件夾</a:t>
+            </a:r>
+            <a:r>
+              <a:rPr lang="en-US" altLang="zh-TW" dirty="0" smtClean="0"/>
+              <a:t>)</a:t>
+            </a:r>
+          </a:p>
+          <a:p>
+            <a:r>
+              <a:rPr lang="en-US" altLang="zh-TW" smtClean="0"/>
+              <a:t>cd &lt;directory_name&gt;:</a:t>
+            </a:r>
+            <a:r>
+              <a:rPr lang="zh-TW" altLang="en-US" smtClean="0"/>
+              <a:t> </a:t>
+            </a:r>
+            <a:r>
+              <a:rPr lang="en-US" altLang="zh-TW" dirty="0" smtClean="0"/>
+              <a:t>change directory</a:t>
+            </a:r>
+            <a:endParaRPr lang="zh-TW" altLang="en-US" dirty="0"/>
+          </a:p>
+        </p:txBody>
+      </p:sp>
+    </p:spTree>
+    <p:extLst>
+      <p:ext uri="{BB962C8B-B14F-4D97-AF65-F5344CB8AC3E}">
+        <p14:creationId xmlns:p14="http://schemas.microsoft.com/office/powerpoint/2010/main" val="345081732"/>
       </p:ext>
     </p:extLst>
   </p:cSld>

--- a/Python_2_20170927.pptx
+++ b/Python_2_20170927.pptx
@@ -3099,7 +3099,7 @@
         <p:spPr/>
         <p:txBody>
           <a:bodyPr>
-            <a:normAutofit fontScale="92500" lnSpcReduction="20000"/>
+            <a:normAutofit fontScale="85000" lnSpcReduction="20000"/>
           </a:bodyPr>
           <a:lstStyle/>
           <a:p>
@@ -3115,7 +3115,57 @@
               <a:rPr lang="en-US" altLang="zh-TW" dirty="0" err="1" smtClean="0"/>
               <a:t>init</a:t>
             </a:r>
-            <a:endParaRPr lang="en-US" altLang="zh-TW" dirty="0" smtClean="0"/>
+            <a:r>
+              <a:rPr lang="en-US" altLang="zh-TW" dirty="0" smtClean="0"/>
+              <a:t>: </a:t>
+            </a:r>
+            <a:r>
+              <a:rPr lang="zh-TW" altLang="en-US" dirty="0" smtClean="0"/>
+              <a:t>新增</a:t>
+            </a:r>
+            <a:r>
+              <a:rPr lang="zh-TW" altLang="en-US" dirty="0" smtClean="0"/>
+              <a:t>本地</a:t>
+            </a:r>
+            <a:r>
+              <a:rPr lang="zh-TW" altLang="en-US" dirty="0"/>
+              <a:t>端</a:t>
+            </a:r>
+            <a:r>
+              <a:rPr lang="en-US" altLang="zh-TW" dirty="0" smtClean="0"/>
+              <a:t>repo</a:t>
+            </a:r>
+          </a:p>
+          <a:p>
+            <a:r>
+              <a:rPr lang="en-US" altLang="zh-TW" dirty="0" err="1" smtClean="0">
+                <a:solidFill>
+                  <a:srgbClr val="FF0000"/>
+                </a:solidFill>
+              </a:rPr>
+              <a:t>git</a:t>
+            </a:r>
+            <a:r>
+              <a:rPr lang="en-US" altLang="zh-TW" dirty="0" smtClean="0">
+                <a:solidFill>
+                  <a:srgbClr val="FF0000"/>
+                </a:solidFill>
+              </a:rPr>
+              <a:t> status:</a:t>
+            </a:r>
+            <a:r>
+              <a:rPr lang="zh-TW" altLang="en-US" dirty="0" smtClean="0">
+                <a:solidFill>
+                  <a:srgbClr val="FF0000"/>
+                </a:solidFill>
+              </a:rPr>
+              <a:t> 查看狀態</a:t>
+            </a:r>
+            <a:endParaRPr lang="en-US" altLang="zh-TW" dirty="0" smtClean="0">
+              <a:solidFill>
+                <a:srgbClr val="FF0000"/>
+              </a:solidFill>
+            </a:endParaRPr>
           </a:p>
           <a:p>
             <a:r>
@@ -3147,12 +3197,209 @@
           </a:p>
           <a:p>
             <a:r>
+              <a:rPr lang="en-US" altLang="zh-TW" dirty="0" err="1" smtClean="0">
+                <a:solidFill>
+                  <a:srgbClr val="FF0000"/>
+                </a:solidFill>
+              </a:rPr>
+              <a:t>git</a:t>
+            </a:r>
+            <a:r>
+              <a:rPr lang="en-US" altLang="zh-TW" dirty="0" smtClean="0">
+                <a:solidFill>
+                  <a:srgbClr val="FF0000"/>
+                </a:solidFill>
+              </a:rPr>
+              <a:t> add &lt;file name</a:t>
+            </a:r>
+            <a:r>
+              <a:rPr lang="en-US" altLang="zh-TW" dirty="0" smtClean="0">
+                <a:solidFill>
+                  <a:srgbClr val="FF0000"/>
+                </a:solidFill>
+              </a:rPr>
+              <a:t>&gt;: </a:t>
+            </a:r>
+            <a:r>
+              <a:rPr lang="zh-TW" altLang="en-US" dirty="0" smtClean="0">
+                <a:solidFill>
+                  <a:srgbClr val="FF0000"/>
+                </a:solidFill>
+              </a:rPr>
+              <a:t>增加要</a:t>
+            </a:r>
+            <a:r>
+              <a:rPr lang="en-US" altLang="zh-TW" dirty="0" smtClean="0">
+                <a:solidFill>
+                  <a:srgbClr val="FF0000"/>
+                </a:solidFill>
+              </a:rPr>
+              <a:t>commit</a:t>
+            </a:r>
+            <a:r>
+              <a:rPr lang="zh-TW" altLang="en-US" dirty="0" smtClean="0">
+                <a:solidFill>
+                  <a:srgbClr val="FF0000"/>
+                </a:solidFill>
+              </a:rPr>
+              <a:t> </a:t>
+            </a:r>
+            <a:r>
+              <a:rPr lang="zh-TW" altLang="en-US" dirty="0" smtClean="0">
+                <a:solidFill>
+                  <a:srgbClr val="FF0000"/>
+                </a:solidFill>
+              </a:rPr>
+              <a:t>的</a:t>
+            </a:r>
+            <a:r>
+              <a:rPr lang="en-US" altLang="zh-TW" dirty="0" smtClean="0">
+                <a:solidFill>
+                  <a:srgbClr val="FF0000"/>
+                </a:solidFill>
+              </a:rPr>
+              <a:t>file</a:t>
+            </a:r>
+            <a:endParaRPr lang="en-US" altLang="zh-TW" dirty="0" smtClean="0">
+              <a:solidFill>
+                <a:srgbClr val="FF0000"/>
+              </a:solidFill>
+            </a:endParaRPr>
+          </a:p>
+          <a:p>
+            <a:r>
+              <a:rPr lang="en-US" altLang="zh-TW" dirty="0" err="1" smtClean="0">
+                <a:solidFill>
+                  <a:srgbClr val="FF0000"/>
+                </a:solidFill>
+              </a:rPr>
+              <a:t>Git</a:t>
+            </a:r>
+            <a:r>
+              <a:rPr lang="en-US" altLang="zh-TW" dirty="0" smtClean="0">
+                <a:solidFill>
+                  <a:srgbClr val="FF0000"/>
+                </a:solidFill>
+              </a:rPr>
+              <a:t> pull: </a:t>
+            </a:r>
+            <a:r>
+              <a:rPr lang="zh-TW" altLang="en-US" dirty="0" smtClean="0">
+                <a:solidFill>
+                  <a:srgbClr val="FF0000"/>
+                </a:solidFill>
+              </a:rPr>
+              <a:t>抓下我</a:t>
+            </a:r>
+            <a:r>
+              <a:rPr lang="en-US" altLang="zh-TW" dirty="0" smtClean="0">
+                <a:solidFill>
+                  <a:srgbClr val="FF0000"/>
+                </a:solidFill>
+              </a:rPr>
+              <a:t>push</a:t>
+            </a:r>
+            <a:r>
+              <a:rPr lang="zh-TW" altLang="en-US" dirty="0" smtClean="0">
+                <a:solidFill>
+                  <a:srgbClr val="FF0000"/>
+                </a:solidFill>
+              </a:rPr>
+              <a:t>上去的檔案</a:t>
+            </a:r>
+            <a:endParaRPr lang="en-US" altLang="zh-TW" dirty="0" smtClean="0">
+              <a:solidFill>
+                <a:srgbClr val="FF0000"/>
+              </a:solidFill>
+            </a:endParaRPr>
+          </a:p>
+          <a:p>
+            <a:r>
+              <a:rPr lang="en-US" altLang="zh-TW" dirty="0" err="1" smtClean="0">
+                <a:solidFill>
+                  <a:srgbClr val="FF0000"/>
+                </a:solidFill>
+              </a:rPr>
+              <a:t>git</a:t>
+            </a:r>
+            <a:r>
+              <a:rPr lang="en-US" altLang="zh-TW" dirty="0" smtClean="0">
+                <a:solidFill>
+                  <a:srgbClr val="FF0000"/>
+                </a:solidFill>
+              </a:rPr>
+              <a:t> commit –m “&lt;commit message</a:t>
+            </a:r>
+            <a:r>
+              <a:rPr lang="en-US" altLang="zh-TW" dirty="0" smtClean="0">
+                <a:solidFill>
+                  <a:srgbClr val="FF0000"/>
+                </a:solidFill>
+              </a:rPr>
+              <a:t>&gt;”:</a:t>
+            </a:r>
+            <a:r>
+              <a:rPr lang="zh-TW" altLang="en-US" dirty="0" smtClean="0">
+                <a:solidFill>
+                  <a:srgbClr val="FF0000"/>
+                </a:solidFill>
+              </a:rPr>
+              <a:t> 告一段落，加入</a:t>
+            </a:r>
+            <a:r>
+              <a:rPr lang="en-US" altLang="zh-TW" dirty="0" err="1" smtClean="0">
+                <a:solidFill>
+                  <a:srgbClr val="FF0000"/>
+                </a:solidFill>
+              </a:rPr>
+              <a:t>git</a:t>
+            </a:r>
+            <a:r>
+              <a:rPr lang="zh-TW" altLang="en-US" dirty="0" smtClean="0">
+                <a:solidFill>
+                  <a:srgbClr val="FF0000"/>
+                </a:solidFill>
+              </a:rPr>
+              <a:t> </a:t>
+            </a:r>
+            <a:r>
+              <a:rPr lang="en-US" altLang="zh-TW" dirty="0" smtClean="0">
+                <a:solidFill>
+                  <a:srgbClr val="FF0000"/>
+                </a:solidFill>
+              </a:rPr>
+              <a:t>commit</a:t>
+            </a:r>
+            <a:r>
+              <a:rPr lang="zh-TW" altLang="en-US" dirty="0" smtClean="0">
+                <a:solidFill>
+                  <a:srgbClr val="FF0000"/>
+                </a:solidFill>
+              </a:rPr>
+              <a:t> </a:t>
+            </a:r>
+            <a:r>
+              <a:rPr lang="en-US" altLang="zh-TW" dirty="0" smtClean="0">
+                <a:solidFill>
+                  <a:srgbClr val="FF0000"/>
+                </a:solidFill>
+              </a:rPr>
+              <a:t>file</a:t>
+            </a:r>
+            <a:endParaRPr lang="en-US" altLang="zh-TW" dirty="0" smtClean="0">
+              <a:solidFill>
+                <a:srgbClr val="FF0000"/>
+              </a:solidFill>
+            </a:endParaRPr>
+          </a:p>
+          <a:p>
+            <a:r>
               <a:rPr lang="en-US" altLang="zh-TW" dirty="0" err="1" smtClean="0"/>
               <a:t>git</a:t>
             </a:r>
             <a:r>
               <a:rPr lang="en-US" altLang="zh-TW" dirty="0" smtClean="0"/>
-              <a:t> add &lt;file name&gt;</a:t>
+              <a:t> diff &lt;filename&gt;</a:t>
             </a:r>
           </a:p>
           <a:p>
@@ -3162,36 +3409,6 @@
             </a:r>
             <a:r>
               <a:rPr lang="en-US" altLang="zh-TW" dirty="0" smtClean="0"/>
-              <a:t> fetch/pull</a:t>
-            </a:r>
-          </a:p>
-          <a:p>
-            <a:r>
-              <a:rPr lang="en-US" altLang="zh-TW" dirty="0" err="1" smtClean="0"/>
-              <a:t>git</a:t>
-            </a:r>
-            <a:r>
-              <a:rPr lang="en-US" altLang="zh-TW" dirty="0" smtClean="0"/>
-              <a:t> commit –m “&lt;commit message&gt;”</a:t>
-            </a:r>
-          </a:p>
-          <a:p>
-            <a:r>
-              <a:rPr lang="en-US" altLang="zh-TW" dirty="0" err="1" smtClean="0"/>
-              <a:t>git</a:t>
-            </a:r>
-            <a:r>
-              <a:rPr lang="en-US" altLang="zh-TW" dirty="0" smtClean="0"/>
-              <a:t> diff &lt;filename&gt;</a:t>
-            </a:r>
-          </a:p>
-          <a:p>
-            <a:r>
-              <a:rPr lang="en-US" altLang="zh-TW" dirty="0" err="1" smtClean="0"/>
-              <a:t>git</a:t>
-            </a:r>
-            <a:r>
-              <a:rPr lang="en-US" altLang="zh-TW" dirty="0" smtClean="0"/>
               <a:t> push &lt;repo </a:t>
             </a:r>
             <a:r>
@@ -3200,8 +3417,17 @@
             </a:r>
             <a:r>
               <a:rPr lang="en-US" altLang="zh-TW" dirty="0" smtClean="0"/>
-              <a:t>&gt;</a:t>
-            </a:r>
+              <a:t>&gt;: push </a:t>
+            </a:r>
+            <a:r>
+              <a:rPr lang="zh-TW" altLang="en-US" dirty="0" smtClean="0"/>
+              <a:t>上去</a:t>
+            </a:r>
+            <a:r>
+              <a:rPr lang="en-US" altLang="zh-TW" dirty="0" smtClean="0"/>
+              <a:t>server</a:t>
+            </a:r>
+            <a:endParaRPr lang="en-US" altLang="zh-TW" dirty="0" smtClean="0"/>
           </a:p>
           <a:p>
             <a:r>
@@ -3484,6 +3710,108 @@
           <a:bodyPr/>
           <a:lstStyle/>
           <a:p>
+            <a:r>
+              <a:rPr lang="en-US" altLang="zh-TW" dirty="0" smtClean="0"/>
+              <a:t>open(“&lt;filename&gt;”, ‘&lt;r or w&gt;’, encoding=‘utf8’)</a:t>
+            </a:r>
+            <a:endParaRPr lang="en-US" altLang="zh-TW" dirty="0"/>
+          </a:p>
+          <a:p>
+            <a:r>
+              <a:rPr lang="en-US" altLang="zh-TW" dirty="0" smtClean="0"/>
+              <a:t>pandas: </a:t>
+            </a:r>
+            <a:r>
+              <a:rPr lang="en-US" altLang="zh-TW" dirty="0" err="1" smtClean="0"/>
+              <a:t>DataFrame</a:t>
+            </a:r>
+            <a:endParaRPr lang="en-US" altLang="zh-TW" dirty="0" smtClean="0"/>
+          </a:p>
+          <a:p>
+            <a:pPr lvl="1"/>
+            <a:r>
+              <a:rPr lang="en-US" altLang="zh-TW" dirty="0" err="1"/>
+              <a:t>t</a:t>
+            </a:r>
+            <a:r>
+              <a:rPr lang="en-US" altLang="zh-TW" dirty="0" err="1" smtClean="0"/>
+              <a:t>o_csv</a:t>
+            </a:r>
+            <a:r>
+              <a:rPr lang="en-US" altLang="zh-TW" dirty="0" smtClean="0"/>
+              <a:t>(‘&lt;filename&gt;’)</a:t>
+            </a:r>
+          </a:p>
+          <a:p>
+            <a:pPr lvl="1"/>
+            <a:r>
+              <a:rPr lang="en-US" altLang="zh-TW" dirty="0" err="1" smtClean="0"/>
+              <a:t>to_json</a:t>
+            </a:r>
+            <a:r>
+              <a:rPr lang="en-US" altLang="zh-TW" dirty="0" smtClean="0"/>
+              <a:t>(‘</a:t>
+            </a:r>
+            <a:r>
+              <a:rPr lang="en-US" altLang="zh-TW" dirty="0"/>
+              <a:t>&lt;filename&gt;</a:t>
+            </a:r>
+            <a:r>
+              <a:rPr lang="en-US" altLang="zh-TW" dirty="0" smtClean="0"/>
+              <a:t>’)</a:t>
+            </a:r>
+          </a:p>
+          <a:p>
+            <a:r>
+              <a:rPr lang="en-US" altLang="zh-TW" dirty="0" err="1"/>
+              <a:t>j</a:t>
+            </a:r>
+            <a:r>
+              <a:rPr lang="en-US" altLang="zh-TW" dirty="0" err="1" smtClean="0"/>
+              <a:t>son</a:t>
+            </a:r>
+            <a:endParaRPr lang="en-US" altLang="zh-TW" dirty="0" smtClean="0"/>
+          </a:p>
+          <a:p>
+            <a:pPr lvl="1"/>
+            <a:r>
+              <a:rPr lang="en-US" altLang="zh-TW" dirty="0" err="1" smtClean="0"/>
+              <a:t>json.dump</a:t>
+            </a:r>
+            <a:r>
+              <a:rPr lang="en-US" altLang="zh-TW" dirty="0" smtClean="0"/>
+              <a:t>(</a:t>
+            </a:r>
+            <a:r>
+              <a:rPr lang="en-US" altLang="zh-TW" dirty="0" err="1" smtClean="0"/>
+              <a:t>dict</a:t>
+            </a:r>
+            <a:r>
+              <a:rPr lang="en-US" altLang="zh-TW" dirty="0" smtClean="0"/>
+              <a:t>)</a:t>
+            </a:r>
+          </a:p>
+          <a:p>
+            <a:pPr lvl="1"/>
+            <a:r>
+              <a:rPr lang="en-US" altLang="zh-TW" dirty="0" err="1" smtClean="0"/>
+              <a:t>json.loads</a:t>
+            </a:r>
+            <a:r>
+              <a:rPr lang="en-US" altLang="zh-TW" smtClean="0"/>
+              <a:t>(</a:t>
+            </a:r>
+            <a:r>
+              <a:rPr lang="en-US" altLang="zh-TW"/>
+              <a:t>‘&lt;filename&gt;’</a:t>
+            </a:r>
+            <a:r>
+              <a:rPr lang="en-US" altLang="zh-TW" smtClean="0"/>
+              <a:t>)</a:t>
+            </a:r>
+            <a:endParaRPr lang="en-US" altLang="zh-TW" dirty="0" smtClean="0"/>
+          </a:p>
+          <a:p>
             <a:endParaRPr lang="zh-TW" altLang="en-US" dirty="0"/>
           </a:p>
         </p:txBody>
@@ -3635,16 +3963,38 @@
           </a:p>
           <a:p>
             <a:r>
-              <a:rPr lang="en-US" altLang="zh-TW" smtClean="0"/>
-              <a:t>cd &lt;directory_name&gt;:</a:t>
-            </a:r>
-            <a:r>
-              <a:rPr lang="zh-TW" altLang="en-US" smtClean="0"/>
+              <a:rPr lang="en-US" altLang="zh-TW" dirty="0" smtClean="0"/>
+              <a:t>cd &lt;</a:t>
+            </a:r>
+            <a:r>
+              <a:rPr lang="en-US" altLang="zh-TW" dirty="0" err="1" smtClean="0"/>
+              <a:t>directory_name</a:t>
+            </a:r>
+            <a:r>
+              <a:rPr lang="en-US" altLang="zh-TW" dirty="0" smtClean="0"/>
+              <a:t>&gt;:</a:t>
+            </a:r>
+            <a:r>
+              <a:rPr lang="zh-TW" altLang="en-US" dirty="0" smtClean="0"/>
               <a:t> </a:t>
             </a:r>
             <a:r>
               <a:rPr lang="en-US" altLang="zh-TW" dirty="0" smtClean="0"/>
-              <a:t>change directory</a:t>
+              <a:t>change directory(cd ..= </a:t>
+            </a:r>
+            <a:r>
+              <a:rPr lang="zh-TW" altLang="en-US" dirty="0" smtClean="0"/>
+              <a:t>到上一層</a:t>
+            </a:r>
+            <a:r>
+              <a:rPr lang="en-US" altLang="zh-TW" dirty="0" smtClean="0"/>
+              <a:t>)</a:t>
+            </a:r>
+          </a:p>
+          <a:p>
+            <a:r>
+              <a:rPr lang="en-US" altLang="zh-TW" dirty="0" smtClean="0"/>
+              <a:t>ls: list all file</a:t>
             </a:r>
             <a:endParaRPr lang="zh-TW" altLang="en-US" dirty="0"/>
           </a:p>

--- a/Python_2_20170927.pptx
+++ b/Python_2_20170927.pptx
@@ -6,10 +6,10 @@
   </p:sldMasterIdLst>
   <p:sldIdLst>
     <p:sldId id="256" r:id="rId2"/>
-    <p:sldId id="258" r:id="rId3"/>
-    <p:sldId id="257" r:id="rId4"/>
-    <p:sldId id="259" r:id="rId5"/>
-    <p:sldId id="260" r:id="rId6"/>
+    <p:sldId id="260" r:id="rId3"/>
+    <p:sldId id="258" r:id="rId4"/>
+    <p:sldId id="257" r:id="rId5"/>
+    <p:sldId id="259" r:id="rId6"/>
   </p:sldIdLst>
   <p:sldSz cx="12192000" cy="6858000"/>
   <p:notesSz cx="6858000" cy="9144000"/>
@@ -247,7 +247,7 @@
           <a:p>
             <a:fld id="{D590F86B-B0B4-4D57-AB4B-A3C142A2B6B7}" type="datetimeFigureOut">
               <a:rPr lang="zh-TW" altLang="en-US" smtClean="0"/>
-              <a:t>2017/9/28</a:t>
+              <a:t>2017/10/1</a:t>
             </a:fld>
             <a:endParaRPr lang="zh-TW" altLang="en-US"/>
           </a:p>
@@ -417,7 +417,7 @@
           <a:p>
             <a:fld id="{D590F86B-B0B4-4D57-AB4B-A3C142A2B6B7}" type="datetimeFigureOut">
               <a:rPr lang="zh-TW" altLang="en-US" smtClean="0"/>
-              <a:t>2017/9/28</a:t>
+              <a:t>2017/10/1</a:t>
             </a:fld>
             <a:endParaRPr lang="zh-TW" altLang="en-US"/>
           </a:p>
@@ -597,7 +597,7 @@
           <a:p>
             <a:fld id="{D590F86B-B0B4-4D57-AB4B-A3C142A2B6B7}" type="datetimeFigureOut">
               <a:rPr lang="zh-TW" altLang="en-US" smtClean="0"/>
-              <a:t>2017/9/28</a:t>
+              <a:t>2017/10/1</a:t>
             </a:fld>
             <a:endParaRPr lang="zh-TW" altLang="en-US"/>
           </a:p>
@@ -767,7 +767,7 @@
           <a:p>
             <a:fld id="{D590F86B-B0B4-4D57-AB4B-A3C142A2B6B7}" type="datetimeFigureOut">
               <a:rPr lang="zh-TW" altLang="en-US" smtClean="0"/>
-              <a:t>2017/9/28</a:t>
+              <a:t>2017/10/1</a:t>
             </a:fld>
             <a:endParaRPr lang="zh-TW" altLang="en-US"/>
           </a:p>
@@ -1013,7 +1013,7 @@
           <a:p>
             <a:fld id="{D590F86B-B0B4-4D57-AB4B-A3C142A2B6B7}" type="datetimeFigureOut">
               <a:rPr lang="zh-TW" altLang="en-US" smtClean="0"/>
-              <a:t>2017/9/28</a:t>
+              <a:t>2017/10/1</a:t>
             </a:fld>
             <a:endParaRPr lang="zh-TW" altLang="en-US"/>
           </a:p>
@@ -1245,7 +1245,7 @@
           <a:p>
             <a:fld id="{D590F86B-B0B4-4D57-AB4B-A3C142A2B6B7}" type="datetimeFigureOut">
               <a:rPr lang="zh-TW" altLang="en-US" smtClean="0"/>
-              <a:t>2017/9/28</a:t>
+              <a:t>2017/10/1</a:t>
             </a:fld>
             <a:endParaRPr lang="zh-TW" altLang="en-US"/>
           </a:p>
@@ -1612,7 +1612,7 @@
           <a:p>
             <a:fld id="{D590F86B-B0B4-4D57-AB4B-A3C142A2B6B7}" type="datetimeFigureOut">
               <a:rPr lang="zh-TW" altLang="en-US" smtClean="0"/>
-              <a:t>2017/9/28</a:t>
+              <a:t>2017/10/1</a:t>
             </a:fld>
             <a:endParaRPr lang="zh-TW" altLang="en-US"/>
           </a:p>
@@ -1730,7 +1730,7 @@
           <a:p>
             <a:fld id="{D590F86B-B0B4-4D57-AB4B-A3C142A2B6B7}" type="datetimeFigureOut">
               <a:rPr lang="zh-TW" altLang="en-US" smtClean="0"/>
-              <a:t>2017/9/28</a:t>
+              <a:t>2017/10/1</a:t>
             </a:fld>
             <a:endParaRPr lang="zh-TW" altLang="en-US"/>
           </a:p>
@@ -1825,7 +1825,7 @@
           <a:p>
             <a:fld id="{D590F86B-B0B4-4D57-AB4B-A3C142A2B6B7}" type="datetimeFigureOut">
               <a:rPr lang="zh-TW" altLang="en-US" smtClean="0"/>
-              <a:t>2017/9/28</a:t>
+              <a:t>2017/10/1</a:t>
             </a:fld>
             <a:endParaRPr lang="zh-TW" altLang="en-US"/>
           </a:p>
@@ -2102,7 +2102,7 @@
           <a:p>
             <a:fld id="{D590F86B-B0B4-4D57-AB4B-A3C142A2B6B7}" type="datetimeFigureOut">
               <a:rPr lang="zh-TW" altLang="en-US" smtClean="0"/>
-              <a:t>2017/9/28</a:t>
+              <a:t>2017/10/1</a:t>
             </a:fld>
             <a:endParaRPr lang="zh-TW" altLang="en-US"/>
           </a:p>
@@ -2355,7 +2355,7 @@
           <a:p>
             <a:fld id="{D590F86B-B0B4-4D57-AB4B-A3C142A2B6B7}" type="datetimeFigureOut">
               <a:rPr lang="zh-TW" altLang="en-US" smtClean="0"/>
-              <a:t>2017/9/28</a:t>
+              <a:t>2017/10/1</a:t>
             </a:fld>
             <a:endParaRPr lang="zh-TW" altLang="en-US"/>
           </a:p>
@@ -2568,7 +2568,7 @@
           <a:p>
             <a:fld id="{D590F86B-B0B4-4D57-AB4B-A3C142A2B6B7}" type="datetimeFigureOut">
               <a:rPr lang="zh-TW" altLang="en-US" smtClean="0"/>
-              <a:t>2017/9/28</a:t>
+              <a:t>2017/10/1</a:t>
             </a:fld>
             <a:endParaRPr lang="zh-TW" altLang="en-US"/>
           </a:p>
@@ -3065,406 +3065,148 @@
           <a:lstStyle/>
           <a:p>
             <a:r>
+              <a:rPr lang="en-US" altLang="zh-TW" dirty="0" smtClean="0"/>
+              <a:t>Terminal File Operation</a:t>
+            </a:r>
+            <a:endParaRPr lang="zh-TW" altLang="en-US" dirty="0"/>
+          </a:p>
+        </p:txBody>
+      </p:sp>
+      <p:sp>
+        <p:nvSpPr>
+          <p:cNvPr id="3" name="內容版面配置區 2"/>
+          <p:cNvSpPr>
+            <a:spLocks noGrp="1"/>
+          </p:cNvSpPr>
+          <p:nvPr>
+            <p:ph idx="1"/>
+          </p:nvPr>
+        </p:nvSpPr>
+        <p:spPr/>
+        <p:txBody>
+          <a:bodyPr/>
+          <a:lstStyle/>
+          <a:p>
+            <a:r>
               <a:rPr lang="en-US" altLang="zh-TW" dirty="0" err="1" smtClean="0"/>
-              <a:t>Git</a:t>
-            </a:r>
-            <a:r>
-              <a:rPr lang="en-US" altLang="zh-TW" dirty="0" smtClean="0"/>
-              <a:t> (</a:t>
-            </a:r>
-            <a:r>
-              <a:rPr lang="en-US" altLang="zh-TW" dirty="0" smtClean="0">
-                <a:hlinkClick r:id="rId2"/>
-              </a:rPr>
-              <a:t>Downloads</a:t>
+              <a:t>rm</a:t>
+            </a:r>
+            <a:r>
+              <a:rPr lang="en-US" altLang="zh-TW" dirty="0" smtClean="0"/>
+              <a:t> –</a:t>
+            </a:r>
+            <a:r>
+              <a:rPr lang="en-US" altLang="zh-TW" dirty="0" err="1" smtClean="0"/>
+              <a:t>rf</a:t>
+            </a:r>
+            <a:r>
+              <a:rPr lang="en-US" altLang="zh-TW" dirty="0" smtClean="0"/>
+              <a:t> &lt;</a:t>
+            </a:r>
+            <a:r>
+              <a:rPr lang="en-US" altLang="zh-TW" dirty="0" err="1" smtClean="0"/>
+              <a:t>file_name</a:t>
+            </a:r>
+            <a:r>
+              <a:rPr lang="en-US" altLang="zh-TW" dirty="0" smtClean="0"/>
+              <a:t>&gt;: delete</a:t>
+            </a:r>
+          </a:p>
+          <a:p>
+            <a:r>
+              <a:rPr lang="en-US" altLang="zh-TW" dirty="0" err="1" smtClean="0"/>
+              <a:t>cp</a:t>
+            </a:r>
+            <a:r>
+              <a:rPr lang="en-US" altLang="zh-TW" dirty="0" smtClean="0"/>
+              <a:t> &lt;</a:t>
+            </a:r>
+            <a:r>
+              <a:rPr lang="en-US" altLang="zh-TW" dirty="0" err="1" smtClean="0"/>
+              <a:t>original_file_name</a:t>
+            </a:r>
+            <a:r>
+              <a:rPr lang="en-US" altLang="zh-TW" dirty="0" smtClean="0"/>
+              <a:t>&gt; &lt;</a:t>
+            </a:r>
+            <a:r>
+              <a:rPr lang="en-US" altLang="zh-TW" dirty="0" err="1" smtClean="0"/>
+              <a:t>target_file_name</a:t>
+            </a:r>
+            <a:r>
+              <a:rPr lang="en-US" altLang="zh-TW" dirty="0" smtClean="0"/>
+              <a:t>&gt;: copy</a:t>
+            </a:r>
+          </a:p>
+          <a:p>
+            <a:r>
+              <a:rPr lang="en-US" altLang="zh-TW" dirty="0" err="1" smtClean="0"/>
+              <a:t>mkdir</a:t>
+            </a:r>
+            <a:r>
+              <a:rPr lang="en-US" altLang="zh-TW" dirty="0" smtClean="0"/>
+              <a:t> &lt;</a:t>
+            </a:r>
+            <a:r>
+              <a:rPr lang="en-US" altLang="zh-TW" dirty="0" err="1" smtClean="0"/>
+              <a:t>directory_name</a:t>
+            </a:r>
+            <a:r>
+              <a:rPr lang="en-US" altLang="zh-TW" dirty="0" smtClean="0"/>
+              <a:t>&gt;: make directory(</a:t>
+            </a:r>
+            <a:r>
+              <a:rPr lang="zh-TW" altLang="en-US" dirty="0" smtClean="0"/>
+              <a:t>文件夾</a:t>
             </a:r>
             <a:r>
               <a:rPr lang="en-US" altLang="zh-TW" dirty="0" smtClean="0"/>
               <a:t>)</a:t>
             </a:r>
+          </a:p>
+          <a:p>
+            <a:r>
+              <a:rPr lang="en-US" altLang="zh-TW" dirty="0" smtClean="0"/>
+              <a:t>cd &lt;</a:t>
+            </a:r>
+            <a:r>
+              <a:rPr lang="en-US" altLang="zh-TW" dirty="0" err="1" smtClean="0"/>
+              <a:t>directory_name</a:t>
+            </a:r>
+            <a:r>
+              <a:rPr lang="en-US" altLang="zh-TW" dirty="0" smtClean="0"/>
+              <a:t>&gt;:</a:t>
+            </a:r>
+            <a:r>
+              <a:rPr lang="zh-TW" altLang="en-US" dirty="0" smtClean="0"/>
+              <a:t> </a:t>
+            </a:r>
+            <a:r>
+              <a:rPr lang="en-US" altLang="zh-TW" dirty="0" smtClean="0"/>
+              <a:t>change directory(cd ..= </a:t>
+            </a:r>
+            <a:r>
+              <a:rPr lang="zh-TW" altLang="en-US" dirty="0" smtClean="0"/>
+              <a:t>到上一層</a:t>
+            </a:r>
+            <a:r>
+              <a:rPr lang="en-US" altLang="zh-TW" dirty="0" smtClean="0"/>
+              <a:t>)</a:t>
+            </a:r>
+          </a:p>
+          <a:p>
+            <a:r>
+              <a:rPr lang="en-US" altLang="zh-TW" dirty="0" smtClean="0"/>
+              <a:t>ls: list all file</a:t>
+            </a:r>
             <a:endParaRPr lang="zh-TW" altLang="en-US" dirty="0"/>
-          </a:p>
-        </p:txBody>
-      </p:sp>
-      <p:sp>
-        <p:nvSpPr>
-          <p:cNvPr id="3" name="內容版面配置區 2"/>
-          <p:cNvSpPr>
-            <a:spLocks noGrp="1"/>
-          </p:cNvSpPr>
-          <p:nvPr>
-            <p:ph idx="1"/>
-          </p:nvPr>
-        </p:nvSpPr>
-        <p:spPr/>
-        <p:txBody>
-          <a:bodyPr>
-            <a:normAutofit fontScale="85000" lnSpcReduction="20000"/>
-          </a:bodyPr>
-          <a:lstStyle/>
-          <a:p>
-            <a:r>
-              <a:rPr lang="en-US" altLang="zh-TW" dirty="0" err="1" smtClean="0"/>
-              <a:t>git</a:t>
-            </a:r>
-            <a:r>
-              <a:rPr lang="en-US" altLang="zh-TW" dirty="0" smtClean="0"/>
-              <a:t> </a:t>
-            </a:r>
-            <a:r>
-              <a:rPr lang="en-US" altLang="zh-TW" dirty="0" err="1" smtClean="0"/>
-              <a:t>init</a:t>
-            </a:r>
-            <a:r>
-              <a:rPr lang="en-US" altLang="zh-TW" dirty="0" smtClean="0"/>
-              <a:t>: </a:t>
-            </a:r>
-            <a:r>
-              <a:rPr lang="zh-TW" altLang="en-US" dirty="0" smtClean="0"/>
-              <a:t>新增</a:t>
-            </a:r>
-            <a:r>
-              <a:rPr lang="zh-TW" altLang="en-US" dirty="0" smtClean="0"/>
-              <a:t>本地</a:t>
-            </a:r>
-            <a:r>
-              <a:rPr lang="zh-TW" altLang="en-US" dirty="0"/>
-              <a:t>端</a:t>
-            </a:r>
-            <a:r>
-              <a:rPr lang="en-US" altLang="zh-TW" dirty="0" smtClean="0"/>
-              <a:t>repo</a:t>
-            </a:r>
-          </a:p>
-          <a:p>
-            <a:r>
-              <a:rPr lang="en-US" altLang="zh-TW" dirty="0" err="1" smtClean="0">
-                <a:solidFill>
-                  <a:srgbClr val="FF0000"/>
-                </a:solidFill>
-              </a:rPr>
-              <a:t>git</a:t>
-            </a:r>
-            <a:r>
-              <a:rPr lang="en-US" altLang="zh-TW" dirty="0" smtClean="0">
-                <a:solidFill>
-                  <a:srgbClr val="FF0000"/>
-                </a:solidFill>
-              </a:rPr>
-              <a:t> status:</a:t>
-            </a:r>
-            <a:r>
-              <a:rPr lang="zh-TW" altLang="en-US" dirty="0" smtClean="0">
-                <a:solidFill>
-                  <a:srgbClr val="FF0000"/>
-                </a:solidFill>
-              </a:rPr>
-              <a:t> 查看狀態</a:t>
-            </a:r>
-            <a:endParaRPr lang="en-US" altLang="zh-TW" dirty="0" smtClean="0">
-              <a:solidFill>
-                <a:srgbClr val="FF0000"/>
-              </a:solidFill>
-            </a:endParaRPr>
-          </a:p>
-          <a:p>
-            <a:r>
-              <a:rPr lang="en-US" altLang="zh-TW" dirty="0" err="1" smtClean="0"/>
-              <a:t>git</a:t>
-            </a:r>
-            <a:r>
-              <a:rPr lang="en-US" altLang="zh-TW" dirty="0" smtClean="0"/>
-              <a:t> clone &lt;repo </a:t>
-            </a:r>
-            <a:r>
-              <a:rPr lang="en-US" altLang="zh-TW" dirty="0" err="1" smtClean="0"/>
-              <a:t>url</a:t>
-            </a:r>
-            <a:r>
-              <a:rPr lang="en-US" altLang="zh-TW" dirty="0" smtClean="0"/>
-              <a:t>&gt; (</a:t>
-            </a:r>
-            <a:r>
-              <a:rPr lang="en-US" altLang="zh-TW" dirty="0" smtClean="0">
-                <a:hlinkClick r:id="rId3"/>
-              </a:rPr>
-              <a:t>https://github.com/GoatWang/pythonTutorial</a:t>
-            </a:r>
-            <a:r>
-              <a:rPr lang="en-US" altLang="zh-TW" dirty="0" smtClean="0"/>
-              <a:t>)</a:t>
-            </a:r>
-          </a:p>
-          <a:p>
-            <a:r>
-              <a:rPr lang="en-US" altLang="zh-TW" dirty="0" err="1" smtClean="0">
-                <a:solidFill>
-                  <a:srgbClr val="FF0000"/>
-                </a:solidFill>
-              </a:rPr>
-              <a:t>git</a:t>
-            </a:r>
-            <a:r>
-              <a:rPr lang="en-US" altLang="zh-TW" dirty="0" smtClean="0">
-                <a:solidFill>
-                  <a:srgbClr val="FF0000"/>
-                </a:solidFill>
-              </a:rPr>
-              <a:t> add &lt;file name</a:t>
-            </a:r>
-            <a:r>
-              <a:rPr lang="en-US" altLang="zh-TW" dirty="0" smtClean="0">
-                <a:solidFill>
-                  <a:srgbClr val="FF0000"/>
-                </a:solidFill>
-              </a:rPr>
-              <a:t>&gt;: </a:t>
-            </a:r>
-            <a:r>
-              <a:rPr lang="zh-TW" altLang="en-US" dirty="0" smtClean="0">
-                <a:solidFill>
-                  <a:srgbClr val="FF0000"/>
-                </a:solidFill>
-              </a:rPr>
-              <a:t>增加要</a:t>
-            </a:r>
-            <a:r>
-              <a:rPr lang="en-US" altLang="zh-TW" dirty="0" smtClean="0">
-                <a:solidFill>
-                  <a:srgbClr val="FF0000"/>
-                </a:solidFill>
-              </a:rPr>
-              <a:t>commit</a:t>
-            </a:r>
-            <a:r>
-              <a:rPr lang="zh-TW" altLang="en-US" dirty="0" smtClean="0">
-                <a:solidFill>
-                  <a:srgbClr val="FF0000"/>
-                </a:solidFill>
-              </a:rPr>
-              <a:t> </a:t>
-            </a:r>
-            <a:r>
-              <a:rPr lang="zh-TW" altLang="en-US" dirty="0" smtClean="0">
-                <a:solidFill>
-                  <a:srgbClr val="FF0000"/>
-                </a:solidFill>
-              </a:rPr>
-              <a:t>的</a:t>
-            </a:r>
-            <a:r>
-              <a:rPr lang="en-US" altLang="zh-TW" dirty="0" smtClean="0">
-                <a:solidFill>
-                  <a:srgbClr val="FF0000"/>
-                </a:solidFill>
-              </a:rPr>
-              <a:t>file</a:t>
-            </a:r>
-            <a:endParaRPr lang="en-US" altLang="zh-TW" dirty="0" smtClean="0">
-              <a:solidFill>
-                <a:srgbClr val="FF0000"/>
-              </a:solidFill>
-            </a:endParaRPr>
-          </a:p>
-          <a:p>
-            <a:r>
-              <a:rPr lang="en-US" altLang="zh-TW" dirty="0" err="1" smtClean="0">
-                <a:solidFill>
-                  <a:srgbClr val="FF0000"/>
-                </a:solidFill>
-              </a:rPr>
-              <a:t>Git</a:t>
-            </a:r>
-            <a:r>
-              <a:rPr lang="en-US" altLang="zh-TW" dirty="0" smtClean="0">
-                <a:solidFill>
-                  <a:srgbClr val="FF0000"/>
-                </a:solidFill>
-              </a:rPr>
-              <a:t> pull: </a:t>
-            </a:r>
-            <a:r>
-              <a:rPr lang="zh-TW" altLang="en-US" dirty="0" smtClean="0">
-                <a:solidFill>
-                  <a:srgbClr val="FF0000"/>
-                </a:solidFill>
-              </a:rPr>
-              <a:t>抓下我</a:t>
-            </a:r>
-            <a:r>
-              <a:rPr lang="en-US" altLang="zh-TW" dirty="0" smtClean="0">
-                <a:solidFill>
-                  <a:srgbClr val="FF0000"/>
-                </a:solidFill>
-              </a:rPr>
-              <a:t>push</a:t>
-            </a:r>
-            <a:r>
-              <a:rPr lang="zh-TW" altLang="en-US" dirty="0" smtClean="0">
-                <a:solidFill>
-                  <a:srgbClr val="FF0000"/>
-                </a:solidFill>
-              </a:rPr>
-              <a:t>上去的檔案</a:t>
-            </a:r>
-            <a:endParaRPr lang="en-US" altLang="zh-TW" dirty="0" smtClean="0">
-              <a:solidFill>
-                <a:srgbClr val="FF0000"/>
-              </a:solidFill>
-            </a:endParaRPr>
-          </a:p>
-          <a:p>
-            <a:r>
-              <a:rPr lang="en-US" altLang="zh-TW" dirty="0" err="1" smtClean="0">
-                <a:solidFill>
-                  <a:srgbClr val="FF0000"/>
-                </a:solidFill>
-              </a:rPr>
-              <a:t>git</a:t>
-            </a:r>
-            <a:r>
-              <a:rPr lang="en-US" altLang="zh-TW" dirty="0" smtClean="0">
-                <a:solidFill>
-                  <a:srgbClr val="FF0000"/>
-                </a:solidFill>
-              </a:rPr>
-              <a:t> commit –m “&lt;commit message</a:t>
-            </a:r>
-            <a:r>
-              <a:rPr lang="en-US" altLang="zh-TW" dirty="0" smtClean="0">
-                <a:solidFill>
-                  <a:srgbClr val="FF0000"/>
-                </a:solidFill>
-              </a:rPr>
-              <a:t>&gt;”:</a:t>
-            </a:r>
-            <a:r>
-              <a:rPr lang="zh-TW" altLang="en-US" dirty="0" smtClean="0">
-                <a:solidFill>
-                  <a:srgbClr val="FF0000"/>
-                </a:solidFill>
-              </a:rPr>
-              <a:t> 告一段落，加入</a:t>
-            </a:r>
-            <a:r>
-              <a:rPr lang="en-US" altLang="zh-TW" dirty="0" err="1" smtClean="0">
-                <a:solidFill>
-                  <a:srgbClr val="FF0000"/>
-                </a:solidFill>
-              </a:rPr>
-              <a:t>git</a:t>
-            </a:r>
-            <a:r>
-              <a:rPr lang="zh-TW" altLang="en-US" dirty="0" smtClean="0">
-                <a:solidFill>
-                  <a:srgbClr val="FF0000"/>
-                </a:solidFill>
-              </a:rPr>
-              <a:t> </a:t>
-            </a:r>
-            <a:r>
-              <a:rPr lang="en-US" altLang="zh-TW" dirty="0" smtClean="0">
-                <a:solidFill>
-                  <a:srgbClr val="FF0000"/>
-                </a:solidFill>
-              </a:rPr>
-              <a:t>commit</a:t>
-            </a:r>
-            <a:r>
-              <a:rPr lang="zh-TW" altLang="en-US" dirty="0" smtClean="0">
-                <a:solidFill>
-                  <a:srgbClr val="FF0000"/>
-                </a:solidFill>
-              </a:rPr>
-              <a:t> </a:t>
-            </a:r>
-            <a:r>
-              <a:rPr lang="en-US" altLang="zh-TW" dirty="0" smtClean="0">
-                <a:solidFill>
-                  <a:srgbClr val="FF0000"/>
-                </a:solidFill>
-              </a:rPr>
-              <a:t>file</a:t>
-            </a:r>
-            <a:endParaRPr lang="en-US" altLang="zh-TW" dirty="0" smtClean="0">
-              <a:solidFill>
-                <a:srgbClr val="FF0000"/>
-              </a:solidFill>
-            </a:endParaRPr>
-          </a:p>
-          <a:p>
-            <a:r>
-              <a:rPr lang="en-US" altLang="zh-TW" dirty="0" err="1" smtClean="0"/>
-              <a:t>git</a:t>
-            </a:r>
-            <a:r>
-              <a:rPr lang="en-US" altLang="zh-TW" dirty="0" smtClean="0"/>
-              <a:t> diff &lt;filename&gt;</a:t>
-            </a:r>
-          </a:p>
-          <a:p>
-            <a:r>
-              <a:rPr lang="en-US" altLang="zh-TW" dirty="0" err="1" smtClean="0"/>
-              <a:t>git</a:t>
-            </a:r>
-            <a:r>
-              <a:rPr lang="en-US" altLang="zh-TW" dirty="0" smtClean="0"/>
-              <a:t> push &lt;repo </a:t>
-            </a:r>
-            <a:r>
-              <a:rPr lang="en-US" altLang="zh-TW" dirty="0" err="1" smtClean="0"/>
-              <a:t>url</a:t>
-            </a:r>
-            <a:r>
-              <a:rPr lang="en-US" altLang="zh-TW" dirty="0" smtClean="0"/>
-              <a:t>&gt;: push </a:t>
-            </a:r>
-            <a:r>
-              <a:rPr lang="zh-TW" altLang="en-US" dirty="0" smtClean="0"/>
-              <a:t>上去</a:t>
-            </a:r>
-            <a:r>
-              <a:rPr lang="en-US" altLang="zh-TW" dirty="0" smtClean="0"/>
-              <a:t>server</a:t>
-            </a:r>
-            <a:endParaRPr lang="en-US" altLang="zh-TW" dirty="0" smtClean="0"/>
-          </a:p>
-          <a:p>
-            <a:r>
-              <a:rPr lang="en-US" altLang="zh-TW" dirty="0" err="1" smtClean="0"/>
-              <a:t>git</a:t>
-            </a:r>
-            <a:r>
-              <a:rPr lang="en-US" altLang="zh-TW" dirty="0" smtClean="0"/>
-              <a:t> log</a:t>
-            </a:r>
-          </a:p>
-          <a:p>
-            <a:r>
-              <a:rPr lang="en-US" altLang="zh-TW" dirty="0" err="1" smtClean="0"/>
-              <a:t>git</a:t>
-            </a:r>
-            <a:r>
-              <a:rPr lang="en-US" altLang="zh-TW" dirty="0" smtClean="0"/>
-              <a:t> check out &lt;branch name/commit id&gt;</a:t>
-            </a:r>
-          </a:p>
-          <a:p>
-            <a:r>
-              <a:rPr lang="en-US" altLang="zh-TW" dirty="0" err="1" smtClean="0"/>
-              <a:t>git</a:t>
-            </a:r>
-            <a:r>
-              <a:rPr lang="en-US" altLang="zh-TW" dirty="0" smtClean="0"/>
-              <a:t> reset &lt;commit id&gt;</a:t>
-            </a:r>
           </a:p>
         </p:txBody>
       </p:sp>
     </p:spTree>
     <p:extLst>
       <p:ext uri="{BB962C8B-B14F-4D97-AF65-F5344CB8AC3E}">
-        <p14:creationId xmlns:p14="http://schemas.microsoft.com/office/powerpoint/2010/main" val="1719410678"/>
+        <p14:creationId xmlns:p14="http://schemas.microsoft.com/office/powerpoint/2010/main" val="345081732"/>
       </p:ext>
     </p:extLst>
   </p:cSld>
@@ -3507,12 +3249,22 @@
           <a:lstStyle/>
           <a:p>
             <a:r>
-              <a:rPr lang="en-US" altLang="zh-TW" dirty="0"/>
-              <a:t>T</a:t>
-            </a:r>
-            <a:r>
-              <a:rPr lang="en-US" altLang="zh-TW" dirty="0" smtClean="0"/>
-              <a:t>ype	</a:t>
+              <a:rPr lang="en-US" altLang="zh-TW" dirty="0" err="1" smtClean="0"/>
+              <a:t>Git</a:t>
+            </a:r>
+            <a:r>
+              <a:rPr lang="en-US" altLang="zh-TW" dirty="0" smtClean="0"/>
+              <a:t> (</a:t>
+            </a:r>
+            <a:r>
+              <a:rPr lang="en-US" altLang="zh-TW" dirty="0" smtClean="0">
+                <a:hlinkClick r:id="rId2"/>
+              </a:rPr>
+              <a:t>Downloads</a:t>
+            </a:r>
+            <a:r>
+              <a:rPr lang="en-US" altLang="zh-TW" dirty="0" smtClean="0"/>
+              <a:t>)</a:t>
             </a:r>
             <a:endParaRPr lang="zh-TW" altLang="en-US" dirty="0"/>
           </a:p>
@@ -3530,44 +3282,93 @@
         </p:nvSpPr>
         <p:spPr/>
         <p:txBody>
-          <a:bodyPr/>
+          <a:bodyPr>
+            <a:normAutofit fontScale="85000" lnSpcReduction="20000"/>
+          </a:bodyPr>
           <a:lstStyle/>
           <a:p>
             <a:r>
               <a:rPr lang="en-US" altLang="zh-TW" dirty="0" err="1" smtClean="0"/>
-              <a:t>Int</a:t>
-            </a:r>
-            <a:r>
-              <a:rPr lang="en-US" altLang="zh-TW" dirty="0" smtClean="0"/>
-              <a:t>: binary, hexadecimal, </a:t>
+              <a:t>git</a:t>
+            </a:r>
+            <a:r>
+              <a:rPr lang="en-US" altLang="zh-TW" dirty="0" smtClean="0"/>
+              <a:t> </a:t>
             </a:r>
             <a:r>
               <a:rPr lang="en-US" altLang="zh-TW" dirty="0" err="1" smtClean="0"/>
-              <a:t>int</a:t>
-            </a:r>
-            <a:r>
-              <a:rPr lang="en-US" altLang="zh-TW" dirty="0" smtClean="0"/>
-              <a:t>()</a:t>
-            </a:r>
-          </a:p>
-          <a:p>
-            <a:r>
-              <a:rPr lang="en-US" altLang="zh-TW" dirty="0" smtClean="0"/>
-              <a:t>bool: “is” vs “==“</a:t>
-            </a:r>
-          </a:p>
-          <a:p>
-            <a:r>
-              <a:rPr lang="en-US" altLang="zh-TW" dirty="0" smtClean="0"/>
-              <a:t>fraction:</a:t>
+              <a:t>init</a:t>
+            </a:r>
+            <a:r>
+              <a:rPr lang="en-US" altLang="zh-TW" dirty="0" smtClean="0"/>
+              <a:t>: </a:t>
+            </a:r>
+            <a:r>
+              <a:rPr lang="zh-TW" altLang="en-US" dirty="0" smtClean="0"/>
+              <a:t>新增本地</a:t>
             </a:r>
             <a:r>
               <a:rPr lang="zh-TW" altLang="en-US" dirty="0"/>
-              <a:t>三元運算子</a:t>
-            </a:r>
-            <a:r>
-              <a:rPr lang="en-US" altLang="zh-TW" dirty="0"/>
-              <a:t>(ternary conditional operator</a:t>
+              <a:t>端</a:t>
+            </a:r>
+            <a:r>
+              <a:rPr lang="en-US" altLang="zh-TW" dirty="0" smtClean="0"/>
+              <a:t>repo</a:t>
+            </a:r>
+          </a:p>
+          <a:p>
+            <a:r>
+              <a:rPr lang="en-US" altLang="zh-TW" dirty="0" err="1" smtClean="0">
+                <a:solidFill>
+                  <a:srgbClr val="FF0000"/>
+                </a:solidFill>
+              </a:rPr>
+              <a:t>git</a:t>
+            </a:r>
+            <a:r>
+              <a:rPr lang="en-US" altLang="zh-TW" dirty="0" smtClean="0">
+                <a:solidFill>
+                  <a:srgbClr val="FF0000"/>
+                </a:solidFill>
+              </a:rPr>
+              <a:t> status:</a:t>
+            </a:r>
+            <a:r>
+              <a:rPr lang="zh-TW" altLang="en-US" dirty="0" smtClean="0">
+                <a:solidFill>
+                  <a:srgbClr val="FF0000"/>
+                </a:solidFill>
+              </a:rPr>
+              <a:t> 查看狀態</a:t>
+            </a:r>
+            <a:endParaRPr lang="en-US" altLang="zh-TW" dirty="0" smtClean="0">
+              <a:solidFill>
+                <a:srgbClr val="FF0000"/>
+              </a:solidFill>
+            </a:endParaRPr>
+          </a:p>
+          <a:p>
+            <a:r>
+              <a:rPr lang="en-US" altLang="zh-TW" dirty="0" err="1" smtClean="0"/>
+              <a:t>git</a:t>
+            </a:r>
+            <a:r>
+              <a:rPr lang="en-US" altLang="zh-TW" dirty="0" smtClean="0"/>
+              <a:t> clone &lt;repo </a:t>
+            </a:r>
+            <a:r>
+              <a:rPr lang="en-US" altLang="zh-TW" dirty="0" err="1" smtClean="0"/>
+              <a:t>url</a:t>
+            </a:r>
+            <a:r>
+              <a:rPr lang="en-US" altLang="zh-TW" dirty="0" smtClean="0"/>
+              <a:t>&gt; (</a:t>
+            </a:r>
+            <a:r>
+              <a:rPr lang="en-US" altLang="zh-TW" dirty="0" smtClean="0">
+                <a:hlinkClick r:id="rId3"/>
+              </a:rPr>
+              <a:t>https://github.com/GoatWang/pythonTutorial</a:t>
             </a:r>
             <a:r>
               <a:rPr lang="en-US" altLang="zh-TW" dirty="0" smtClean="0"/>
@@ -3576,76 +3377,239 @@
           </a:p>
           <a:p>
             <a:r>
-              <a:rPr lang="en-US" altLang="zh-TW" dirty="0" smtClean="0"/>
-              <a:t>list </a:t>
-            </a:r>
-            <a:r>
-              <a:rPr lang="en-US" altLang="zh-TW" dirty="0"/>
-              <a:t>: </a:t>
-            </a:r>
-            <a:r>
-              <a:rPr lang="en-US" altLang="zh-TW" dirty="0" smtClean="0"/>
-              <a:t>announcement, append, pop, index slicing, extend, sorted, index, count, set, copy, iteration, enumerate</a:t>
-            </a:r>
-          </a:p>
-          <a:p>
-            <a:r>
-              <a:rPr lang="en-US" altLang="zh-TW" dirty="0" err="1"/>
-              <a:t>dict</a:t>
-            </a:r>
-            <a:r>
-              <a:rPr lang="en-US" altLang="zh-TW" dirty="0"/>
-              <a:t> : </a:t>
-            </a:r>
-            <a:r>
-              <a:rPr lang="en-US" altLang="zh-TW" dirty="0" smtClean="0"/>
-              <a:t>announcement, call(index, get), pop, iteration, sorted, Counter </a:t>
-            </a:r>
-          </a:p>
-          <a:p>
-            <a:r>
-              <a:rPr lang="en-US" altLang="zh-TW" dirty="0" err="1"/>
-              <a:t>str</a:t>
-            </a:r>
-            <a:r>
-              <a:rPr lang="en-US" altLang="zh-TW" dirty="0"/>
-              <a:t> : </a:t>
-            </a:r>
+              <a:rPr lang="en-US" altLang="zh-TW" dirty="0" err="1" smtClean="0">
+                <a:solidFill>
+                  <a:srgbClr val="FF0000"/>
+                </a:solidFill>
+              </a:rPr>
+              <a:t>git</a:t>
+            </a:r>
+            <a:r>
+              <a:rPr lang="en-US" altLang="zh-TW" dirty="0" smtClean="0">
+                <a:solidFill>
+                  <a:srgbClr val="FF0000"/>
+                </a:solidFill>
+              </a:rPr>
+              <a:t> add &lt;file name&gt;: </a:t>
+            </a:r>
+            <a:r>
+              <a:rPr lang="zh-TW" altLang="en-US" dirty="0" smtClean="0">
+                <a:solidFill>
+                  <a:srgbClr val="FF0000"/>
+                </a:solidFill>
+              </a:rPr>
+              <a:t>增加要</a:t>
+            </a:r>
+            <a:r>
+              <a:rPr lang="en-US" altLang="zh-TW" dirty="0" smtClean="0">
+                <a:solidFill>
+                  <a:srgbClr val="FF0000"/>
+                </a:solidFill>
+              </a:rPr>
+              <a:t>commit</a:t>
+            </a:r>
+            <a:r>
+              <a:rPr lang="zh-TW" altLang="en-US" dirty="0" smtClean="0">
+                <a:solidFill>
+                  <a:srgbClr val="FF0000"/>
+                </a:solidFill>
+              </a:rPr>
+              <a:t> 的</a:t>
+            </a:r>
+            <a:r>
+              <a:rPr lang="en-US" altLang="zh-TW" dirty="0" smtClean="0">
+                <a:solidFill>
+                  <a:srgbClr val="FF0000"/>
+                </a:solidFill>
+              </a:rPr>
+              <a:t>file</a:t>
+            </a:r>
+          </a:p>
+          <a:p>
+            <a:r>
+              <a:rPr lang="en-US" altLang="zh-TW" dirty="0" err="1" smtClean="0">
+                <a:solidFill>
+                  <a:srgbClr val="FF0000"/>
+                </a:solidFill>
+              </a:rPr>
+              <a:t>Git</a:t>
+            </a:r>
+            <a:r>
+              <a:rPr lang="en-US" altLang="zh-TW" dirty="0" smtClean="0">
+                <a:solidFill>
+                  <a:srgbClr val="FF0000"/>
+                </a:solidFill>
+              </a:rPr>
+              <a:t> pull: </a:t>
+            </a:r>
+            <a:r>
+              <a:rPr lang="zh-TW" altLang="en-US" dirty="0" smtClean="0">
+                <a:solidFill>
+                  <a:srgbClr val="FF0000"/>
+                </a:solidFill>
+              </a:rPr>
+              <a:t>抓下我</a:t>
+            </a:r>
+            <a:r>
+              <a:rPr lang="en-US" altLang="zh-TW" dirty="0" smtClean="0">
+                <a:solidFill>
+                  <a:srgbClr val="FF0000"/>
+                </a:solidFill>
+              </a:rPr>
+              <a:t>push</a:t>
+            </a:r>
+            <a:r>
+              <a:rPr lang="zh-TW" altLang="en-US" dirty="0" smtClean="0">
+                <a:solidFill>
+                  <a:srgbClr val="FF0000"/>
+                </a:solidFill>
+              </a:rPr>
+              <a:t>上去的檔案</a:t>
+            </a:r>
+            <a:endParaRPr lang="en-US" altLang="zh-TW" dirty="0" smtClean="0">
+              <a:solidFill>
+                <a:srgbClr val="FF0000"/>
+              </a:solidFill>
+            </a:endParaRPr>
+          </a:p>
+          <a:p>
+            <a:r>
+              <a:rPr lang="en-US" altLang="zh-TW" dirty="0" err="1" smtClean="0">
+                <a:solidFill>
+                  <a:srgbClr val="FF0000"/>
+                </a:solidFill>
+              </a:rPr>
+              <a:t>git</a:t>
+            </a:r>
+            <a:r>
+              <a:rPr lang="en-US" altLang="zh-TW" dirty="0" smtClean="0">
+                <a:solidFill>
+                  <a:srgbClr val="FF0000"/>
+                </a:solidFill>
+              </a:rPr>
+              <a:t> commit –m “&lt;commit message&gt;”:</a:t>
+            </a:r>
+            <a:r>
+              <a:rPr lang="zh-TW" altLang="en-US" dirty="0" smtClean="0">
+                <a:solidFill>
+                  <a:srgbClr val="FF0000"/>
+                </a:solidFill>
+              </a:rPr>
+              <a:t> 告一段落，加入</a:t>
+            </a:r>
+            <a:r>
+              <a:rPr lang="en-US" altLang="zh-TW" dirty="0" err="1" smtClean="0">
+                <a:solidFill>
+                  <a:srgbClr val="FF0000"/>
+                </a:solidFill>
+              </a:rPr>
+              <a:t>git</a:t>
+            </a:r>
+            <a:r>
+              <a:rPr lang="zh-TW" altLang="en-US" dirty="0" smtClean="0">
+                <a:solidFill>
+                  <a:srgbClr val="FF0000"/>
+                </a:solidFill>
+              </a:rPr>
+              <a:t> </a:t>
+            </a:r>
+            <a:r>
+              <a:rPr lang="en-US" altLang="zh-TW" dirty="0" smtClean="0">
+                <a:solidFill>
+                  <a:srgbClr val="FF0000"/>
+                </a:solidFill>
+              </a:rPr>
+              <a:t>commit</a:t>
+            </a:r>
+            <a:r>
+              <a:rPr lang="zh-TW" altLang="en-US" dirty="0" smtClean="0">
+                <a:solidFill>
+                  <a:srgbClr val="FF0000"/>
+                </a:solidFill>
+              </a:rPr>
+              <a:t> </a:t>
+            </a:r>
+            <a:r>
+              <a:rPr lang="en-US" altLang="zh-TW" dirty="0" smtClean="0">
+                <a:solidFill>
+                  <a:srgbClr val="FF0000"/>
+                </a:solidFill>
+              </a:rPr>
+              <a:t>file</a:t>
+            </a:r>
+          </a:p>
+          <a:p>
             <a:r>
               <a:rPr lang="en-US" altLang="zh-TW" dirty="0" err="1" smtClean="0"/>
-              <a:t>startswith</a:t>
-            </a:r>
-            <a:r>
-              <a:rPr lang="en-US" altLang="zh-TW" dirty="0" smtClean="0"/>
-              <a:t>, </a:t>
-            </a:r>
+              <a:t>git</a:t>
+            </a:r>
+            <a:r>
+              <a:rPr lang="en-US" altLang="zh-TW" dirty="0" smtClean="0"/>
+              <a:t> diff &lt;filename&gt;</a:t>
+            </a:r>
+          </a:p>
+          <a:p>
             <a:r>
               <a:rPr lang="en-US" altLang="zh-TW" dirty="0" err="1" smtClean="0"/>
-              <a:t>endswith</a:t>
-            </a:r>
-            <a:r>
-              <a:rPr lang="en-US" altLang="zh-TW" dirty="0" smtClean="0"/>
-              <a:t>, lower, upper, split, replace, encode, decode, format, re</a:t>
-            </a:r>
-          </a:p>
-          <a:p>
-            <a:endParaRPr lang="en-US" altLang="zh-TW" dirty="0" smtClean="0"/>
-          </a:p>
-          <a:p>
-            <a:endParaRPr lang="en-US" altLang="zh-TW" dirty="0" smtClean="0"/>
-          </a:p>
-          <a:p>
-            <a:endParaRPr lang="en-US" altLang="zh-TW" dirty="0" smtClean="0"/>
-          </a:p>
-          <a:p>
-            <a:endParaRPr lang="zh-TW" altLang="en-US" dirty="0"/>
+              <a:t>git</a:t>
+            </a:r>
+            <a:r>
+              <a:rPr lang="en-US" altLang="zh-TW" dirty="0" smtClean="0"/>
+              <a:t> push &lt;repo </a:t>
+            </a:r>
+            <a:r>
+              <a:rPr lang="en-US" altLang="zh-TW" dirty="0" err="1" smtClean="0"/>
+              <a:t>url</a:t>
+            </a:r>
+            <a:r>
+              <a:rPr lang="en-US" altLang="zh-TW" dirty="0" smtClean="0"/>
+              <a:t>&gt;: push </a:t>
+            </a:r>
+            <a:r>
+              <a:rPr lang="zh-TW" altLang="en-US" dirty="0" smtClean="0"/>
+              <a:t>上去</a:t>
+            </a:r>
+            <a:r>
+              <a:rPr lang="en-US" altLang="zh-TW" dirty="0" smtClean="0"/>
+              <a:t>server</a:t>
+            </a:r>
+          </a:p>
+          <a:p>
+            <a:r>
+              <a:rPr lang="en-US" altLang="zh-TW" dirty="0" err="1" smtClean="0"/>
+              <a:t>git</a:t>
+            </a:r>
+            <a:r>
+              <a:rPr lang="en-US" altLang="zh-TW" dirty="0" smtClean="0"/>
+              <a:t> log</a:t>
+            </a:r>
+          </a:p>
+          <a:p>
+            <a:r>
+              <a:rPr lang="en-US" altLang="zh-TW" dirty="0" err="1" smtClean="0"/>
+              <a:t>git</a:t>
+            </a:r>
+            <a:r>
+              <a:rPr lang="en-US" altLang="zh-TW" dirty="0" smtClean="0"/>
+              <a:t> check out &lt;branch name/commit id&gt;</a:t>
+            </a:r>
+          </a:p>
+          <a:p>
+            <a:r>
+              <a:rPr lang="en-US" altLang="zh-TW" dirty="0" err="1" smtClean="0"/>
+              <a:t>git</a:t>
+            </a:r>
+            <a:r>
+              <a:rPr lang="en-US" altLang="zh-TW" dirty="0" smtClean="0"/>
+              <a:t> reset &lt;commit id&gt;</a:t>
+            </a:r>
           </a:p>
         </p:txBody>
       </p:sp>
     </p:spTree>
     <p:extLst>
       <p:ext uri="{BB962C8B-B14F-4D97-AF65-F5344CB8AC3E}">
-        <p14:creationId xmlns:p14="http://schemas.microsoft.com/office/powerpoint/2010/main" val="464071995"/>
+        <p14:creationId xmlns:p14="http://schemas.microsoft.com/office/powerpoint/2010/main" val="1719410678"/>
       </p:ext>
     </p:extLst>
   </p:cSld>
@@ -3688,8 +3652,12 @@
           <a:lstStyle/>
           <a:p>
             <a:r>
-              <a:rPr lang="en-US" altLang="zh-TW" dirty="0" smtClean="0"/>
-              <a:t>File Reader and File Writer</a:t>
+              <a:rPr lang="en-US" altLang="zh-TW" dirty="0"/>
+              <a:t>T</a:t>
+            </a:r>
+            <a:r>
+              <a:rPr lang="en-US" altLang="zh-TW" dirty="0" smtClean="0"/>
+              <a:t>ype	</a:t>
             </a:r>
             <a:endParaRPr lang="zh-TW" altLang="en-US" dirty="0"/>
           </a:p>
@@ -3711,104 +3679,107 @@
           <a:lstStyle/>
           <a:p>
             <a:r>
-              <a:rPr lang="en-US" altLang="zh-TW" dirty="0" smtClean="0"/>
-              <a:t>open(“&lt;filename&gt;”, ‘&lt;r or w&gt;’, encoding=‘utf8’)</a:t>
-            </a:r>
-            <a:endParaRPr lang="en-US" altLang="zh-TW" dirty="0"/>
-          </a:p>
-          <a:p>
-            <a:r>
-              <a:rPr lang="en-US" altLang="zh-TW" dirty="0" smtClean="0"/>
-              <a:t>pandas: </a:t>
-            </a:r>
-            <a:r>
               <a:rPr lang="en-US" altLang="zh-TW" dirty="0" err="1" smtClean="0"/>
-              <a:t>DataFrame</a:t>
-            </a:r>
+              <a:t>Int</a:t>
+            </a:r>
+            <a:r>
+              <a:rPr lang="en-US" altLang="zh-TW" dirty="0" smtClean="0"/>
+              <a:t>: binary, hexadecimal, </a:t>
+            </a:r>
+            <a:r>
+              <a:rPr lang="en-US" altLang="zh-TW" dirty="0" err="1" smtClean="0"/>
+              <a:t>int</a:t>
+            </a:r>
+            <a:r>
+              <a:rPr lang="en-US" altLang="zh-TW" dirty="0" smtClean="0"/>
+              <a:t>()</a:t>
+            </a:r>
+          </a:p>
+          <a:p>
+            <a:r>
+              <a:rPr lang="en-US" altLang="zh-TW" dirty="0" smtClean="0"/>
+              <a:t>bool: “is” vs “==“</a:t>
+            </a:r>
+          </a:p>
+          <a:p>
+            <a:r>
+              <a:rPr lang="en-US" altLang="zh-TW" dirty="0" smtClean="0"/>
+              <a:t>fraction:</a:t>
+            </a:r>
+            <a:r>
+              <a:rPr lang="zh-TW" altLang="en-US" dirty="0"/>
+              <a:t>三元運算子</a:t>
+            </a:r>
+            <a:r>
+              <a:rPr lang="en-US" altLang="zh-TW" dirty="0"/>
+              <a:t>(ternary conditional operator</a:t>
+            </a:r>
+            <a:r>
+              <a:rPr lang="en-US" altLang="zh-TW" dirty="0" smtClean="0"/>
+              <a:t>)</a:t>
+            </a:r>
+          </a:p>
+          <a:p>
+            <a:r>
+              <a:rPr lang="en-US" altLang="zh-TW" dirty="0" smtClean="0"/>
+              <a:t>list </a:t>
+            </a:r>
+            <a:r>
+              <a:rPr lang="en-US" altLang="zh-TW" dirty="0"/>
+              <a:t>: </a:t>
+            </a:r>
+            <a:r>
+              <a:rPr lang="en-US" altLang="zh-TW" dirty="0" smtClean="0"/>
+              <a:t>announcement, append, pop, index slicing, extend, sorted, index, count, set, copy, iteration, enumerate</a:t>
+            </a:r>
+          </a:p>
+          <a:p>
+            <a:r>
+              <a:rPr lang="en-US" altLang="zh-TW" dirty="0" err="1"/>
+              <a:t>dict</a:t>
+            </a:r>
+            <a:r>
+              <a:rPr lang="en-US" altLang="zh-TW" dirty="0"/>
+              <a:t> : </a:t>
+            </a:r>
+            <a:r>
+              <a:rPr lang="en-US" altLang="zh-TW" dirty="0" smtClean="0"/>
+              <a:t>announcement, call(index, get), pop, iteration, sorted, Counter </a:t>
+            </a:r>
+          </a:p>
+          <a:p>
+            <a:r>
+              <a:rPr lang="en-US" altLang="zh-TW" dirty="0" err="1"/>
+              <a:t>str</a:t>
+            </a:r>
+            <a:r>
+              <a:rPr lang="en-US" altLang="zh-TW" dirty="0"/>
+              <a:t> : </a:t>
+            </a:r>
+            <a:r>
+              <a:rPr lang="en-US" altLang="zh-TW" dirty="0" err="1" smtClean="0"/>
+              <a:t>startswith</a:t>
+            </a:r>
+            <a:r>
+              <a:rPr lang="en-US" altLang="zh-TW" dirty="0" smtClean="0"/>
+              <a:t>, </a:t>
+            </a:r>
+            <a:r>
+              <a:rPr lang="en-US" altLang="zh-TW" dirty="0" err="1" smtClean="0"/>
+              <a:t>endswith</a:t>
+            </a:r>
+            <a:r>
+              <a:rPr lang="en-US" altLang="zh-TW" dirty="0" smtClean="0"/>
+              <a:t>, lower, upper, split, replace, encode, decode, format, re</a:t>
+            </a:r>
+          </a:p>
+          <a:p>
             <a:endParaRPr lang="en-US" altLang="zh-TW" dirty="0" smtClean="0"/>
           </a:p>
           <a:p>
-            <a:pPr lvl="1"/>
-            <a:r>
-              <a:rPr lang="en-US" altLang="zh-TW" dirty="0" err="1"/>
-              <a:t>t</a:t>
-            </a:r>
-            <a:r>
-              <a:rPr lang="en-US" altLang="zh-TW" dirty="0" err="1" smtClean="0"/>
-              <a:t>o_csv</a:t>
-            </a:r>
-            <a:r>
-              <a:rPr lang="en-US" altLang="zh-TW" dirty="0" smtClean="0"/>
-              <a:t>(‘&lt;filename&gt;’)</a:t>
-            </a:r>
-          </a:p>
-          <a:p>
-            <a:pPr lvl="1"/>
-            <a:r>
-              <a:rPr lang="en-US" altLang="zh-TW" dirty="0" err="1" smtClean="0"/>
-              <a:t>to_json</a:t>
-            </a:r>
-            <a:r>
-              <a:rPr lang="en-US" altLang="zh-TW" dirty="0" smtClean="0"/>
-              <a:t>(‘</a:t>
-            </a:r>
-            <a:r>
-              <a:rPr lang="en-US" altLang="zh-TW" dirty="0"/>
-              <a:t>&lt;filename&gt;</a:t>
-            </a:r>
-            <a:r>
-              <a:rPr lang="en-US" altLang="zh-TW" dirty="0" smtClean="0"/>
-              <a:t>’)</a:t>
-            </a:r>
-          </a:p>
-          <a:p>
-            <a:r>
-              <a:rPr lang="en-US" altLang="zh-TW" dirty="0" err="1"/>
-              <a:t>j</a:t>
-            </a:r>
-            <a:r>
-              <a:rPr lang="en-US" altLang="zh-TW" dirty="0" err="1" smtClean="0"/>
-              <a:t>son</a:t>
-            </a:r>
             <a:endParaRPr lang="en-US" altLang="zh-TW" dirty="0" smtClean="0"/>
           </a:p>
           <a:p>
-            <a:pPr lvl="1"/>
-            <a:r>
-              <a:rPr lang="en-US" altLang="zh-TW" dirty="0" err="1" smtClean="0"/>
-              <a:t>json.dump</a:t>
-            </a:r>
-            <a:r>
-              <a:rPr lang="en-US" altLang="zh-TW" dirty="0" smtClean="0"/>
-              <a:t>(</a:t>
-            </a:r>
-            <a:r>
-              <a:rPr lang="en-US" altLang="zh-TW" dirty="0" err="1" smtClean="0"/>
-              <a:t>dict</a:t>
-            </a:r>
-            <a:r>
-              <a:rPr lang="en-US" altLang="zh-TW" dirty="0" smtClean="0"/>
-              <a:t>)</a:t>
-            </a:r>
-          </a:p>
-          <a:p>
-            <a:pPr lvl="1"/>
-            <a:r>
-              <a:rPr lang="en-US" altLang="zh-TW" dirty="0" err="1" smtClean="0"/>
-              <a:t>json.loads</a:t>
-            </a:r>
-            <a:r>
-              <a:rPr lang="en-US" altLang="zh-TW" smtClean="0"/>
-              <a:t>(</a:t>
-            </a:r>
-            <a:r>
-              <a:rPr lang="en-US" altLang="zh-TW"/>
-              <a:t>‘&lt;filename&gt;’</a:t>
-            </a:r>
-            <a:r>
-              <a:rPr lang="en-US" altLang="zh-TW" smtClean="0"/>
-              <a:t>)</a:t>
-            </a:r>
             <a:endParaRPr lang="en-US" altLang="zh-TW" dirty="0" smtClean="0"/>
           </a:p>
           <a:p>
@@ -3819,7 +3790,7 @@
     </p:spTree>
     <p:extLst>
       <p:ext uri="{BB962C8B-B14F-4D97-AF65-F5344CB8AC3E}">
-        <p14:creationId xmlns:p14="http://schemas.microsoft.com/office/powerpoint/2010/main" val="2290799959"/>
+        <p14:creationId xmlns:p14="http://schemas.microsoft.com/office/powerpoint/2010/main" val="464071995"/>
       </p:ext>
     </p:extLst>
   </p:cSld>
@@ -3863,7 +3834,7 @@
           <a:p>
             <a:r>
               <a:rPr lang="en-US" altLang="zh-TW" dirty="0" smtClean="0"/>
-              <a:t>Terminal File Operation</a:t>
+              <a:t>File Reader and File Writer</a:t>
             </a:r>
             <a:endParaRPr lang="zh-TW" altLang="en-US" dirty="0"/>
           </a:p>
@@ -3885,76 +3856,99 @@
           <a:lstStyle/>
           <a:p>
             <a:r>
+              <a:rPr lang="en-US" altLang="zh-TW" dirty="0" smtClean="0"/>
+              <a:t>open(“&lt;filename&gt;”, ‘&lt;r or w&gt;’, encoding=‘utf8’)</a:t>
+            </a:r>
+            <a:endParaRPr lang="en-US" altLang="zh-TW" dirty="0"/>
+          </a:p>
+          <a:p>
+            <a:r>
+              <a:rPr lang="en-US" altLang="zh-TW" dirty="0" smtClean="0"/>
+              <a:t>pandas: </a:t>
+            </a:r>
+            <a:r>
               <a:rPr lang="en-US" altLang="zh-TW" dirty="0" err="1" smtClean="0"/>
-              <a:t>rm</a:t>
-            </a:r>
-            <a:r>
-              <a:rPr lang="en-US" altLang="zh-TW" dirty="0" smtClean="0"/>
-              <a:t> –</a:t>
+              <a:t>DataFrame</a:t>
+            </a:r>
+            <a:endParaRPr lang="en-US" altLang="zh-TW" dirty="0" smtClean="0"/>
+          </a:p>
+          <a:p>
+            <a:pPr lvl="1"/>
+            <a:r>
+              <a:rPr lang="en-US" altLang="zh-TW" dirty="0" err="1"/>
+              <a:t>t</a:t>
             </a:r>
             <a:r>
               <a:rPr lang="en-US" altLang="zh-TW" dirty="0" err="1" smtClean="0"/>
-              <a:t>rf</a:t>
-            </a:r>
-            <a:r>
-              <a:rPr lang="en-US" altLang="zh-TW" dirty="0" smtClean="0"/>
-              <a:t> &lt;</a:t>
-            </a:r>
+              <a:t>o_csv</a:t>
+            </a:r>
+            <a:r>
+              <a:rPr lang="en-US" altLang="zh-TW" dirty="0" smtClean="0"/>
+              <a:t>(‘&lt;filename&gt;’)</a:t>
+            </a:r>
+          </a:p>
+          <a:p>
+            <a:pPr lvl="1"/>
             <a:r>
               <a:rPr lang="en-US" altLang="zh-TW" dirty="0" err="1" smtClean="0"/>
-              <a:t>file_name</a:t>
-            </a:r>
-            <a:r>
-              <a:rPr lang="en-US" altLang="zh-TW" dirty="0" smtClean="0"/>
-              <a:t>&gt;: delete</a:t>
-            </a:r>
-          </a:p>
-          <a:p>
+              <a:t>to_json</a:t>
+            </a:r>
+            <a:r>
+              <a:rPr lang="en-US" altLang="zh-TW" dirty="0" smtClean="0"/>
+              <a:t>(‘</a:t>
+            </a:r>
+            <a:r>
+              <a:rPr lang="en-US" altLang="zh-TW" dirty="0"/>
+              <a:t>&lt;filename&gt;</a:t>
+            </a:r>
+            <a:r>
+              <a:rPr lang="en-US" altLang="zh-TW" dirty="0" smtClean="0"/>
+              <a:t>’)</a:t>
+            </a:r>
+          </a:p>
+          <a:p>
+            <a:r>
+              <a:rPr lang="en-US" altLang="zh-TW" dirty="0" err="1"/>
+              <a:t>j</a:t>
+            </a:r>
             <a:r>
               <a:rPr lang="en-US" altLang="zh-TW" dirty="0" err="1" smtClean="0"/>
-              <a:t>cp</a:t>
-            </a:r>
-            <a:r>
-              <a:rPr lang="en-US" altLang="zh-TW" dirty="0" smtClean="0"/>
-              <a:t> &lt;</a:t>
-            </a:r>
+              <a:t>son</a:t>
+            </a:r>
+            <a:endParaRPr lang="en-US" altLang="zh-TW" dirty="0" smtClean="0"/>
+          </a:p>
+          <a:p>
+            <a:pPr lvl="1"/>
             <a:r>
               <a:rPr lang="en-US" altLang="zh-TW" dirty="0" err="1" smtClean="0"/>
-              <a:t>original_file_name</a:t>
-            </a:r>
-            <a:r>
-              <a:rPr lang="en-US" altLang="zh-TW" dirty="0" smtClean="0"/>
-              <a:t>&gt; &lt;</a:t>
+              <a:t>json.dump</a:t>
+            </a:r>
+            <a:r>
+              <a:rPr lang="en-US" altLang="zh-TW" dirty="0" smtClean="0"/>
+              <a:t>(</a:t>
             </a:r>
             <a:r>
               <a:rPr lang="en-US" altLang="zh-TW" dirty="0" err="1" smtClean="0"/>
-              <a:t>target_file_name</a:t>
-            </a:r>
-            <a:r>
-              <a:rPr lang="en-US" altLang="zh-TW" dirty="0" smtClean="0"/>
-              <a:t>&gt;: copy</a:t>
-            </a:r>
-          </a:p>
-          <a:p>
+              <a:t>dict</a:t>
+            </a:r>
+            <a:r>
+              <a:rPr lang="en-US" altLang="zh-TW" dirty="0" smtClean="0"/>
+              <a:t>)</a:t>
+            </a:r>
+          </a:p>
+          <a:p>
+            <a:pPr lvl="1"/>
             <a:r>
               <a:rPr lang="en-US" altLang="zh-TW" dirty="0" err="1" smtClean="0"/>
-              <a:t>mkdir</a:t>
-            </a:r>
-            <a:r>
-              <a:rPr lang="en-US" altLang="zh-TW" dirty="0" smtClean="0"/>
-              <a:t> &lt;</a:t>
-            </a:r>
-            <a:r>
-              <a:rPr lang="en-US" altLang="zh-TW" dirty="0" err="1" smtClean="0"/>
-              <a:t>directory_name</a:t>
-            </a:r>
-            <a:r>
-              <a:rPr lang="en-US" altLang="zh-TW" dirty="0" smtClean="0"/>
-              <a:t>&gt;: make directory(</a:t>
-            </a:r>
-            <a:r>
-              <a:rPr lang="zh-TW" altLang="en-US" dirty="0" smtClean="0"/>
-              <a:t>文件夾</a:t>
+              <a:t>json.loads</a:t>
+            </a:r>
+            <a:r>
+              <a:rPr lang="en-US" altLang="zh-TW" dirty="0" smtClean="0"/>
+              <a:t>(</a:t>
+            </a:r>
+            <a:r>
+              <a:rPr lang="en-US" altLang="zh-TW" dirty="0"/>
+              <a:t>‘&lt;filename&gt;’</a:t>
             </a:r>
             <a:r>
               <a:rPr lang="en-US" altLang="zh-TW" dirty="0" smtClean="0"/>
@@ -3962,40 +3956,6 @@
             </a:r>
           </a:p>
           <a:p>
-            <a:r>
-              <a:rPr lang="en-US" altLang="zh-TW" dirty="0" smtClean="0"/>
-              <a:t>cd &lt;</a:t>
-            </a:r>
-            <a:r>
-              <a:rPr lang="en-US" altLang="zh-TW" dirty="0" err="1" smtClean="0"/>
-              <a:t>directory_name</a:t>
-            </a:r>
-            <a:r>
-              <a:rPr lang="en-US" altLang="zh-TW" dirty="0" smtClean="0"/>
-              <a:t>&gt;:</a:t>
-            </a:r>
-            <a:r>
-              <a:rPr lang="zh-TW" altLang="en-US" dirty="0" smtClean="0"/>
-              <a:t> </a:t>
-            </a:r>
-            <a:r>
-              <a:rPr lang="en-US" altLang="zh-TW" dirty="0" smtClean="0"/>
-              <a:t>change directory(cd ..= </a:t>
-            </a:r>
-            <a:r>
-              <a:rPr lang="zh-TW" altLang="en-US" dirty="0" smtClean="0"/>
-              <a:t>到上一層</a:t>
-            </a:r>
-            <a:r>
-              <a:rPr lang="en-US" altLang="zh-TW" dirty="0" smtClean="0"/>
-              <a:t>)</a:t>
-            </a:r>
-          </a:p>
-          <a:p>
-            <a:r>
-              <a:rPr lang="en-US" altLang="zh-TW" dirty="0" smtClean="0"/>
-              <a:t>ls: list all file</a:t>
-            </a:r>
             <a:endParaRPr lang="zh-TW" altLang="en-US" dirty="0"/>
           </a:p>
         </p:txBody>
@@ -4003,7 +3963,7 @@
     </p:spTree>
     <p:extLst>
       <p:ext uri="{BB962C8B-B14F-4D97-AF65-F5344CB8AC3E}">
-        <p14:creationId xmlns:p14="http://schemas.microsoft.com/office/powerpoint/2010/main" val="345081732"/>
+        <p14:creationId xmlns:p14="http://schemas.microsoft.com/office/powerpoint/2010/main" val="2290799959"/>
       </p:ext>
     </p:extLst>
   </p:cSld>
